--- a/workshop.pptx
+++ b/workshop.pptx
@@ -4458,8 +4458,8 @@
         </p:nvSpPr>
         <p:spPr>
           <a:xfrm>
-            <a:off x="4780048" y="2389239"/>
-            <a:ext cx="1988045" cy="584775"/>
+            <a:off x="3840785" y="2389239"/>
+            <a:ext cx="3866571" cy="830997"/>
           </a:xfrm>
           <a:prstGeom prst="rect">
             <a:avLst/>
@@ -4477,6 +4477,16 @@
               <a:rPr lang="en-US" sz="3200" b="1" dirty="0"/>
               <a:t>Code Time</a:t>
             </a:r>
+          </a:p>
+          <a:p>
+            <a:pPr algn="ctr"/>
+            <a:r>
+              <a:rPr lang="en-US" sz="1600" dirty="0">
+                <a:hlinkClick r:id="rId2"/>
+              </a:rPr>
+              <a:t>https://github.com/bing-hsu/flink-workshop</a:t>
+            </a:r>
+            <a:endParaRPr lang="en-US" sz="1600" dirty="0"/>
           </a:p>
         </p:txBody>
       </p:sp>
